--- a/Talks/contur.pptx
+++ b/Talks/contur.pptx
@@ -16668,7 +16668,7 @@
       </p:pic>
       <p:pic>
         <p:nvPicPr>
-          <p:cNvPr id="10" name="Picture 9" descr="ATLAS_dijet_ratio.pdf"/>
+          <p:cNvPr id="10" name="Picture 9"/>
           <p:cNvPicPr>
             <a:picLocks noChangeAspect="1"/>
           </p:cNvPicPr>
